--- a/2025_B_PI_PZPIpz-23-1_Makieieva_I_G.pptx
+++ b/2025_B_PI_PZPIpz-23-1_Makieieva_I_G.pptx
@@ -9410,7 +9410,7 @@
         </p:blipFill>
         <p:spPr>
           <a:xfrm>
-            <a:off x="4898715" y="1175657"/>
+            <a:off x="4898715" y="1466080"/>
             <a:ext cx="4245285" cy="2706914"/>
           </a:xfrm>
           <a:prstGeom prst="rect">
@@ -10853,7 +10853,7 @@
             </a:pPr>
             <a:r>
               <a:rPr lang="uk" sz="3200" dirty="0"/>
-              <a:t>Аналіз проблеми (аналіз існуючих рішень) </a:t>
+              <a:t>Аналіз проблеми</a:t>
             </a:r>
             <a:endParaRPr sz="3200" dirty="0"/>
           </a:p>
@@ -11180,7 +11180,7 @@
                 <a:latin typeface="Times New Roman" panose="02020603050405020304" pitchFamily="18" charset="0"/>
                 <a:cs typeface="Times New Roman" panose="02020603050405020304" pitchFamily="18" charset="0"/>
               </a:rPr>
-              <a:t>для автоматизації процесів роботи у терапевтичному відділенні стоматологічної клініки.</a:t>
+              <a:t>для автоматизації обліку роботи у терапевтичному відділенні стоматологічної клініки.</a:t>
             </a:r>
           </a:p>
           <a:p>
@@ -11830,29 +11830,7 @@
                   <a:srgbClr val="FFFFFF"/>
                 </a:highlight>
               </a:rPr>
-              <a:t>Visual Studio Code </a:t>
-            </a:r>
-            <a:r>
-              <a:rPr lang="uk-UA" dirty="0">
-                <a:solidFill>
-                  <a:srgbClr val="0D0D0D"/>
-                </a:solidFill>
-                <a:highlight>
-                  <a:srgbClr val="FFFFFF"/>
-                </a:highlight>
-              </a:rPr>
-              <a:t>з підтримкою</a:t>
-            </a:r>
-            <a:r>
-              <a:rPr lang="en-US" dirty="0">
-                <a:solidFill>
-                  <a:srgbClr val="0D0D0D"/>
-                </a:solidFill>
-                <a:highlight>
-                  <a:srgbClr val="FFFFFF"/>
-                </a:highlight>
-              </a:rPr>
-              <a:t>;</a:t>
+              <a:t>Visual Studio Code;</a:t>
             </a:r>
             <a:r>
               <a:rPr lang="uk-UA" dirty="0">
@@ -12409,89 +12387,6 @@
           </a:p>
         </p:txBody>
       </p:sp>
-      <p:sp>
-        <p:nvSpPr>
-          <p:cNvPr id="107" name="Google Shape;107;p19"/>
-          <p:cNvSpPr txBox="1">
-            <a:spLocks noGrp="1"/>
-          </p:cNvSpPr>
-          <p:nvPr>
-            <p:ph type="body" idx="1"/>
-          </p:nvPr>
-        </p:nvSpPr>
-        <p:spPr>
-          <a:xfrm>
-            <a:off x="311700" y="1477100"/>
-            <a:ext cx="3382476" cy="2882400"/>
-          </a:xfrm>
-          <a:prstGeom prst="rect">
-            <a:avLst/>
-          </a:prstGeom>
-        </p:spPr>
-        <p:txBody>
-          <a:bodyPr spcFirstLastPara="1" wrap="square" lIns="91425" tIns="91425" rIns="91425" bIns="91425" anchor="t" anchorCtr="0">
-            <a:normAutofit/>
-          </a:bodyPr>
-          <a:lstStyle/>
-          <a:p>
-            <a:pPr marL="0" lvl="0" indent="0" algn="l" rtl="0">
-              <a:spcBef>
-                <a:spcPts val="1500"/>
-              </a:spcBef>
-              <a:spcAft>
-                <a:spcPts val="1200"/>
-              </a:spcAft>
-              <a:buNone/>
-            </a:pPr>
-            <a:r>
-              <a:rPr lang="uk-UA" dirty="0">
-                <a:latin typeface="Times New Roman" panose="02020603050405020304" pitchFamily="18" charset="0"/>
-                <a:cs typeface="Times New Roman" panose="02020603050405020304" pitchFamily="18" charset="0"/>
-              </a:rPr>
-              <a:t>Використовувалась реляційна база даних </a:t>
-            </a:r>
-            <a:r>
-              <a:rPr lang="en-US" dirty="0">
-                <a:latin typeface="Times New Roman" panose="02020603050405020304" pitchFamily="18" charset="0"/>
-                <a:cs typeface="Times New Roman" panose="02020603050405020304" pitchFamily="18" charset="0"/>
-              </a:rPr>
-              <a:t>MySQL</a:t>
-            </a:r>
-            <a:r>
-              <a:rPr lang="uk-UA" dirty="0">
-                <a:latin typeface="Times New Roman" panose="02020603050405020304" pitchFamily="18" charset="0"/>
-                <a:cs typeface="Times New Roman" panose="02020603050405020304" pitchFamily="18" charset="0"/>
-              </a:rPr>
-              <a:t> та </a:t>
-            </a:r>
-            <a:r>
-              <a:rPr lang="en-US" dirty="0">
-                <a:latin typeface="Times New Roman" panose="02020603050405020304" pitchFamily="18" charset="0"/>
-                <a:cs typeface="Times New Roman" panose="02020603050405020304" pitchFamily="18" charset="0"/>
-              </a:rPr>
-              <a:t>Django ORM </a:t>
-            </a:r>
-            <a:r>
-              <a:rPr lang="uk-UA" dirty="0">
-                <a:latin typeface="Times New Roman" panose="02020603050405020304" pitchFamily="18" charset="0"/>
-                <a:cs typeface="Times New Roman" panose="02020603050405020304" pitchFamily="18" charset="0"/>
-              </a:rPr>
-              <a:t>для взаємодії з таблицями бази даних</a:t>
-            </a:r>
-            <a:r>
-              <a:rPr lang="en-US" dirty="0">
-                <a:latin typeface="Times New Roman" panose="02020603050405020304" pitchFamily="18" charset="0"/>
-                <a:cs typeface="Times New Roman" panose="02020603050405020304" pitchFamily="18" charset="0"/>
-              </a:rPr>
-              <a:t>.</a:t>
-            </a:r>
-            <a:endParaRPr dirty="0">
-              <a:latin typeface="Times New Roman" panose="02020603050405020304" pitchFamily="18" charset="0"/>
-              <a:cs typeface="Times New Roman" panose="02020603050405020304" pitchFamily="18" charset="0"/>
-            </a:endParaRPr>
-          </a:p>
-        </p:txBody>
-      </p:sp>
       <p:pic>
         <p:nvPicPr>
           <p:cNvPr id="108" name="Google Shape;108;p19"/>
@@ -12693,19 +12588,11 @@
             </a:r>
             <a:r>
               <a:rPr lang="en-US" dirty="0"/>
-              <a:t>MVC/MTV, </a:t>
+              <a:t>MVC/MTV</a:t>
             </a:r>
             <a:r>
               <a:rPr lang="uk-UA" dirty="0"/>
-              <a:t>а для структурування даних — метод побудови </a:t>
-            </a:r>
-            <a:r>
-              <a:rPr lang="en-US" dirty="0"/>
-              <a:t>ER-</a:t>
-            </a:r>
-            <a:r>
-              <a:rPr lang="uk-UA" dirty="0"/>
-              <a:t>діаграми, що дозволяє моделювати сутності, атрибути та зв’язки між ними в реляційній базі даних.</a:t>
+              <a:t>.</a:t>
             </a:r>
             <a:endParaRPr dirty="0">
               <a:latin typeface="Economica" panose="020B0604020202020204" charset="0"/>
